--- a/ML project presentation_opposites_DM.pptx
+++ b/ML project presentation_opposites_DM.pptx
@@ -862,7 +862,7 @@
   <pc:docChgLst>
     <pc:chgData name="Δημήτρης Μαντάος" userId="25b0eac5-224f-4500-a4cb-1cc696f80aa1" providerId="ADAL" clId="{C9F1D33D-3666-4450-9CE3-DE682B106944}"/>
     <pc:docChg chg="undo custSel addSld delSld modSld sldOrd">
-      <pc:chgData name="Δημήτρης Μαντάος" userId="25b0eac5-224f-4500-a4cb-1cc696f80aa1" providerId="ADAL" clId="{C9F1D33D-3666-4450-9CE3-DE682B106944}" dt="2021-09-19T11:57:43.283" v="7652" actId="20577"/>
+      <pc:chgData name="Δημήτρης Μαντάος" userId="25b0eac5-224f-4500-a4cb-1cc696f80aa1" providerId="ADAL" clId="{C9F1D33D-3666-4450-9CE3-DE682B106944}" dt="2021-09-19T15:28:08.517" v="7830" actId="20577"/>
       <pc:docMkLst>
         <pc:docMk/>
       </pc:docMkLst>
@@ -888,11 +888,19 @@
         </pc:sldMkLst>
       </pc:sldChg>
       <pc:sldChg chg="addSp modSp mod">
-        <pc:chgData name="Δημήτρης Μαντάος" userId="25b0eac5-224f-4500-a4cb-1cc696f80aa1" providerId="ADAL" clId="{C9F1D33D-3666-4450-9CE3-DE682B106944}" dt="2021-09-19T11:44:51.261" v="6409" actId="255"/>
+        <pc:chgData name="Δημήτρης Μαντάος" userId="25b0eac5-224f-4500-a4cb-1cc696f80aa1" providerId="ADAL" clId="{C9F1D33D-3666-4450-9CE3-DE682B106944}" dt="2021-09-19T15:22:40.378" v="7682" actId="14100"/>
         <pc:sldMkLst>
           <pc:docMk/>
           <pc:sldMk cId="3316335319" sldId="333"/>
         </pc:sldMkLst>
+        <pc:spChg chg="mod">
+          <ac:chgData name="Δημήτρης Μαντάος" userId="25b0eac5-224f-4500-a4cb-1cc696f80aa1" providerId="ADAL" clId="{C9F1D33D-3666-4450-9CE3-DE682B106944}" dt="2021-09-19T15:22:40.378" v="7682" actId="14100"/>
+          <ac:spMkLst>
+            <pc:docMk/>
+            <pc:sldMk cId="3316335319" sldId="333"/>
+            <ac:spMk id="2" creationId="{85F4936E-9C2C-4A1E-9E68-5B50F7E6EE02}"/>
+          </ac:spMkLst>
+        </pc:spChg>
         <pc:spChg chg="add mod">
           <ac:chgData name="Δημήτρης Μαντάος" userId="25b0eac5-224f-4500-a4cb-1cc696f80aa1" providerId="ADAL" clId="{C9F1D33D-3666-4450-9CE3-DE682B106944}" dt="2021-09-19T11:44:51.261" v="6409" actId="255"/>
           <ac:spMkLst>
@@ -1437,13 +1445,13 @@
         </pc:sldMkLst>
       </pc:sldChg>
       <pc:sldChg chg="addSp delSp modSp add mod ord modClrScheme chgLayout">
-        <pc:chgData name="Δημήτρης Μαντάος" userId="25b0eac5-224f-4500-a4cb-1cc696f80aa1" providerId="ADAL" clId="{C9F1D33D-3666-4450-9CE3-DE682B106944}" dt="2021-09-19T10:45:46.655" v="3492" actId="5793"/>
+        <pc:chgData name="Δημήτρης Μαντάος" userId="25b0eac5-224f-4500-a4cb-1cc696f80aa1" providerId="ADAL" clId="{C9F1D33D-3666-4450-9CE3-DE682B106944}" dt="2021-09-19T15:27:20.726" v="7826" actId="20577"/>
         <pc:sldMkLst>
           <pc:docMk/>
           <pc:sldMk cId="3953393239" sldId="355"/>
         </pc:sldMkLst>
         <pc:spChg chg="add mod ord">
-          <ac:chgData name="Δημήτρης Μαντάος" userId="25b0eac5-224f-4500-a4cb-1cc696f80aa1" providerId="ADAL" clId="{C9F1D33D-3666-4450-9CE3-DE682B106944}" dt="2021-09-19T10:45:34.728" v="3490" actId="108"/>
+          <ac:chgData name="Δημήτρης Μαντάος" userId="25b0eac5-224f-4500-a4cb-1cc696f80aa1" providerId="ADAL" clId="{C9F1D33D-3666-4450-9CE3-DE682B106944}" dt="2021-09-19T15:27:16.025" v="7825" actId="14100"/>
           <ac:spMkLst>
             <pc:docMk/>
             <pc:sldMk cId="3953393239" sldId="355"/>
@@ -1467,7 +1475,7 @@
           </ac:spMkLst>
         </pc:spChg>
         <pc:spChg chg="add mod ord">
-          <ac:chgData name="Δημήτρης Μαντάος" userId="25b0eac5-224f-4500-a4cb-1cc696f80aa1" providerId="ADAL" clId="{C9F1D33D-3666-4450-9CE3-DE682B106944}" dt="2021-09-19T10:45:46.655" v="3492" actId="5793"/>
+          <ac:chgData name="Δημήτρης Μαντάος" userId="25b0eac5-224f-4500-a4cb-1cc696f80aa1" providerId="ADAL" clId="{C9F1D33D-3666-4450-9CE3-DE682B106944}" dt="2021-09-19T15:27:20.726" v="7826" actId="20577"/>
           <ac:spMkLst>
             <pc:docMk/>
             <pc:sldMk cId="3953393239" sldId="355"/>
@@ -1522,7 +1530,7 @@
         </pc:sldMkLst>
       </pc:sldChg>
       <pc:sldChg chg="modSp add mod">
-        <pc:chgData name="Δημήτρης Μαντάος" userId="25b0eac5-224f-4500-a4cb-1cc696f80aa1" providerId="ADAL" clId="{C9F1D33D-3666-4450-9CE3-DE682B106944}" dt="2021-09-19T11:57:43.283" v="7652" actId="20577"/>
+        <pc:chgData name="Δημήτρης Μαντάος" userId="25b0eac5-224f-4500-a4cb-1cc696f80aa1" providerId="ADAL" clId="{C9F1D33D-3666-4450-9CE3-DE682B106944}" dt="2021-09-19T15:28:08.517" v="7830" actId="20577"/>
         <pc:sldMkLst>
           <pc:docMk/>
           <pc:sldMk cId="4194798585" sldId="358"/>
@@ -1536,7 +1544,7 @@
           </ac:spMkLst>
         </pc:spChg>
         <pc:spChg chg="mod">
-          <ac:chgData name="Δημήτρης Μαντάος" userId="25b0eac5-224f-4500-a4cb-1cc696f80aa1" providerId="ADAL" clId="{C9F1D33D-3666-4450-9CE3-DE682B106944}" dt="2021-09-19T11:57:43.283" v="7652" actId="20577"/>
+          <ac:chgData name="Δημήτρης Μαντάος" userId="25b0eac5-224f-4500-a4cb-1cc696f80aa1" providerId="ADAL" clId="{C9F1D33D-3666-4450-9CE3-DE682B106944}" dt="2021-09-19T15:28:08.517" v="7830" actId="20577"/>
           <ac:spMkLst>
             <pc:docMk/>
             <pc:sldMk cId="4194798585" sldId="358"/>
@@ -1560,7 +1568,7 @@
         </pc:spChg>
       </pc:sldChg>
       <pc:sldChg chg="addSp delSp modSp new mod modClrScheme chgLayout">
-        <pc:chgData name="Δημήτρης Μαντάος" userId="25b0eac5-224f-4500-a4cb-1cc696f80aa1" providerId="ADAL" clId="{C9F1D33D-3666-4450-9CE3-DE682B106944}" dt="2021-09-19T11:06:50.907" v="4344" actId="33524"/>
+        <pc:chgData name="Δημήτρης Μαντάος" userId="25b0eac5-224f-4500-a4cb-1cc696f80aa1" providerId="ADAL" clId="{C9F1D33D-3666-4450-9CE3-DE682B106944}" dt="2021-09-19T15:27:47.494" v="7828" actId="12"/>
         <pc:sldMkLst>
           <pc:docMk/>
           <pc:sldMk cId="1970277238" sldId="360"/>
@@ -1590,7 +1598,7 @@
           </ac:spMkLst>
         </pc:spChg>
         <pc:spChg chg="add mod">
-          <ac:chgData name="Δημήτρης Μαντάος" userId="25b0eac5-224f-4500-a4cb-1cc696f80aa1" providerId="ADAL" clId="{C9F1D33D-3666-4450-9CE3-DE682B106944}" dt="2021-09-19T11:06:50.907" v="4344" actId="33524"/>
+          <ac:chgData name="Δημήτρης Μαντάος" userId="25b0eac5-224f-4500-a4cb-1cc696f80aa1" providerId="ADAL" clId="{C9F1D33D-3666-4450-9CE3-DE682B106944}" dt="2021-09-19T15:27:47.494" v="7828" actId="12"/>
           <ac:spMkLst>
             <pc:docMk/>
             <pc:sldMk cId="1970277238" sldId="360"/>
@@ -1990,14 +1998,14 @@
           </a:ln>
           <a:extLst>
             <a:ext uri="{909E8E84-426E-40dd-AFC4-6F175D3DCCD1}">
-              <a14:hiddenFill xmlns="" xmlns:a14="http://schemas.microsoft.com/office/drawing/2010/main">
+              <a14:hiddenFill xmlns:a14="http://schemas.microsoft.com/office/drawing/2010/main" xmlns="">
                 <a:solidFill>
                   <a:srgbClr val="FFFFFF"/>
                 </a:solidFill>
               </a14:hiddenFill>
             </a:ext>
             <a:ext uri="{91240B29-F687-4f45-9708-019B960494DF}">
-              <a14:hiddenLine xmlns="" xmlns:a14="http://schemas.microsoft.com/office/drawing/2010/main" w="9525">
+              <a14:hiddenLine xmlns:a14="http://schemas.microsoft.com/office/drawing/2010/main" xmlns="" w="9525">
                 <a:solidFill>
                   <a:srgbClr val="000000"/>
                 </a:solidFill>
@@ -2315,14 +2323,14 @@
           </a:ln>
           <a:extLst>
             <a:ext uri="{909E8E84-426E-40dd-AFC4-6F175D3DCCD1}">
-              <a14:hiddenFill xmlns="" xmlns:a14="http://schemas.microsoft.com/office/drawing/2010/main">
+              <a14:hiddenFill xmlns:a14="http://schemas.microsoft.com/office/drawing/2010/main" xmlns="">
                 <a:solidFill>
                   <a:srgbClr val="FFFFFF"/>
                 </a:solidFill>
               </a14:hiddenFill>
             </a:ext>
             <a:ext uri="{91240B29-F687-4f45-9708-019B960494DF}">
-              <a14:hiddenLine xmlns="" xmlns:a14="http://schemas.microsoft.com/office/drawing/2010/main" w="9525">
+              <a14:hiddenLine xmlns:a14="http://schemas.microsoft.com/office/drawing/2010/main" xmlns="" w="9525">
                 <a:solidFill>
                   <a:srgbClr val="000000"/>
                 </a:solidFill>
@@ -3723,7 +3731,7 @@
           <a:effectLst/>
           <a:extLst>
             <a:ext uri="{91240B29-F687-4f45-9708-019B960494DF}">
-              <a14:hiddenLine xmlns="" xmlns:a14="http://schemas.microsoft.com/office/drawing/2010/main" w="9525">
+              <a14:hiddenLine xmlns:a14="http://schemas.microsoft.com/office/drawing/2010/main" xmlns="" w="9525">
                 <a:solidFill>
                   <a:srgbClr val="000000"/>
                 </a:solidFill>
@@ -3938,14 +3946,14 @@
           </a:ln>
           <a:extLst>
             <a:ext uri="{909E8E84-426E-40dd-AFC4-6F175D3DCCD1}">
-              <a14:hiddenFill xmlns="" xmlns:a14="http://schemas.microsoft.com/office/drawing/2010/main">
+              <a14:hiddenFill xmlns:a14="http://schemas.microsoft.com/office/drawing/2010/main" xmlns="">
                 <a:solidFill>
                   <a:srgbClr val="FFFFFF"/>
                 </a:solidFill>
               </a14:hiddenFill>
             </a:ext>
             <a:ext uri="{91240B29-F687-4f45-9708-019B960494DF}">
-              <a14:hiddenLine xmlns="" xmlns:a14="http://schemas.microsoft.com/office/drawing/2010/main" w="9525">
+              <a14:hiddenLine xmlns:a14="http://schemas.microsoft.com/office/drawing/2010/main" xmlns="" w="9525">
                 <a:solidFill>
                   <a:srgbClr val="000000"/>
                 </a:solidFill>
@@ -4163,7 +4171,7 @@
           <a:effectLst/>
           <a:extLst>
             <a:ext uri="{91240B29-F687-4f45-9708-019B960494DF}">
-              <a14:hiddenLine xmlns="" xmlns:a14="http://schemas.microsoft.com/office/drawing/2010/main" w="9525">
+              <a14:hiddenLine xmlns:a14="http://schemas.microsoft.com/office/drawing/2010/main" xmlns="" w="9525">
                 <a:solidFill>
                   <a:srgbClr val="000000"/>
                 </a:solidFill>
@@ -6082,7 +6090,7 @@
           <a:effectLst/>
           <a:extLst>
             <a:ext uri="{91240B29-F687-4f45-9708-019B960494DF}">
-              <a14:hiddenLine xmlns="" xmlns:a14="http://schemas.microsoft.com/office/drawing/2010/main" w="9525">
+              <a14:hiddenLine xmlns:a14="http://schemas.microsoft.com/office/drawing/2010/main" xmlns="" w="9525">
                 <a:solidFill>
                   <a:srgbClr val="000000"/>
                 </a:solidFill>
@@ -6226,14 +6234,14 @@
           </a:ln>
           <a:extLst>
             <a:ext uri="{909E8E84-426E-40dd-AFC4-6F175D3DCCD1}">
-              <a14:hiddenFill xmlns="" xmlns:a14="http://schemas.microsoft.com/office/drawing/2010/main">
+              <a14:hiddenFill xmlns:a14="http://schemas.microsoft.com/office/drawing/2010/main" xmlns="">
                 <a:solidFill>
                   <a:srgbClr val="FFFFFF"/>
                 </a:solidFill>
               </a14:hiddenFill>
             </a:ext>
             <a:ext uri="{91240B29-F687-4f45-9708-019B960494DF}">
-              <a14:hiddenLine xmlns="" xmlns:a14="http://schemas.microsoft.com/office/drawing/2010/main" w="9525">
+              <a14:hiddenLine xmlns:a14="http://schemas.microsoft.com/office/drawing/2010/main" xmlns="" w="9525">
                 <a:solidFill>
                   <a:srgbClr val="000000"/>
                 </a:solidFill>
@@ -7975,14 +7983,14 @@
           </a:ln>
           <a:extLst>
             <a:ext uri="{909E8E84-426E-40dd-AFC4-6F175D3DCCD1}">
-              <a14:hiddenFill xmlns="" xmlns:a14="http://schemas.microsoft.com/office/drawing/2010/main">
+              <a14:hiddenFill xmlns:a14="http://schemas.microsoft.com/office/drawing/2010/main" xmlns="">
                 <a:solidFill>
                   <a:srgbClr val="FFFFFF"/>
                 </a:solidFill>
               </a14:hiddenFill>
             </a:ext>
             <a:ext uri="{91240B29-F687-4f45-9708-019B960494DF}">
-              <a14:hiddenLine xmlns="" xmlns:a14="http://schemas.microsoft.com/office/drawing/2010/main" w="9525">
+              <a14:hiddenLine xmlns:a14="http://schemas.microsoft.com/office/drawing/2010/main" xmlns="" w="9525">
                 <a:solidFill>
                   <a:srgbClr val="000000"/>
                 </a:solidFill>
@@ -8327,7 +8335,12 @@
             <p:ph type="ctrTitle"/>
           </p:nvPr>
         </p:nvSpPr>
-        <p:spPr/>
+        <p:spPr>
+          <a:xfrm>
+            <a:off x="442800" y="1178456"/>
+            <a:ext cx="8356713" cy="1767111"/>
+          </a:xfrm>
+        </p:spPr>
         <p:txBody>
           <a:bodyPr/>
           <a:lstStyle/>
@@ -8343,8 +8356,8 @@
               <a:rPr lang="en-GB" dirty="0"/>
             </a:br>
             <a:r>
-              <a:rPr lang="en-GB" dirty="0"/>
-              <a:t>Sefco Zeelandia data analysis and prediction models</a:t>
+              <a:rPr lang="en-GB" sz="2800" dirty="0"/>
+              <a:t>SEZ SA data analysis and prediction models</a:t>
             </a:r>
             <a:br>
               <a:rPr lang="en-GB" dirty="0"/>
@@ -10242,7 +10255,12 @@
             <p:ph idx="1"/>
           </p:nvPr>
         </p:nvSpPr>
-        <p:spPr/>
+        <p:spPr>
+          <a:xfrm>
+            <a:off x="450000" y="3334670"/>
+            <a:ext cx="4306984" cy="1675037"/>
+          </a:xfrm>
+        </p:spPr>
         <p:txBody>
           <a:bodyPr/>
           <a:lstStyle/>
@@ -10304,7 +10322,12 @@
             <p:ph idx="15"/>
           </p:nvPr>
         </p:nvSpPr>
-        <p:spPr/>
+        <p:spPr>
+          <a:xfrm>
+            <a:off x="4856416" y="3334670"/>
+            <a:ext cx="4287584" cy="1675037"/>
+          </a:xfrm>
+        </p:spPr>
         <p:txBody>
           <a:bodyPr/>
           <a:lstStyle/>
@@ -10319,7 +10342,21 @@
             </a:pPr>
             <a:r>
               <a:rPr lang="en-GB" dirty="0"/>
-              <a:t>After all the above we were ready to build and fit a neural network model. We choose LSTM and we run it with epochs. </a:t>
+              <a:t>After all the above we were ready to build and fit a neural network model. We choose LSTM and we run it with 5 epochs. </a:t>
+            </a:r>
+          </a:p>
+          <a:p>
+            <a:pPr marL="268288" indent="-268288">
+              <a:lnSpc>
+                <a:spcPts val="2000"/>
+              </a:lnSpc>
+              <a:spcBef>
+                <a:spcPts val="600"/>
+              </a:spcBef>
+            </a:pPr>
+            <a:r>
+              <a:rPr lang="en-GB" dirty="0"/>
+              <a:t>Even if LSTM models seems proper for time series ,in our case overpassed other similar models .</a:t>
             </a:r>
           </a:p>
           <a:p>
@@ -10485,15 +10522,27 @@
           </a:bodyPr>
           <a:lstStyle/>
           <a:p>
+            <a:pPr marL="285750" indent="-285750" algn="just">
+              <a:buFont typeface="Arial" panose="020B0604020202020204" pitchFamily="34" charset="0"/>
+              <a:buChar char="•"/>
+            </a:pPr>
             <a:r>
               <a:rPr lang="en-US" dirty="0"/>
               <a:t>Since previous model looked overfitting, we run a model using Near miss method. Results seem worst  but are still promising. </a:t>
             </a:r>
           </a:p>
           <a:p>
+            <a:pPr marL="285750" indent="-285750" algn="just">
+              <a:buFont typeface="Arial" panose="020B0604020202020204" pitchFamily="34" charset="0"/>
+              <a:buChar char="•"/>
+            </a:pPr>
             <a:endParaRPr lang="en-US" dirty="0"/>
           </a:p>
           <a:p>
+            <a:pPr marL="285750" indent="-285750" algn="just">
+              <a:buFont typeface="Arial" panose="020B0604020202020204" pitchFamily="34" charset="0"/>
+              <a:buChar char="•"/>
+            </a:pPr>
             <a:r>
               <a:rPr lang="en-GB" dirty="0"/>
               <a:t>It is not part of this study further analysis on this subject. For sure this will be performed when we got a bigger dataset with more substantial number of observations. </a:t>
@@ -10647,7 +10696,7 @@
             </a:pPr>
             <a:r>
               <a:rPr lang="en-US" sz="1600" dirty="0"/>
-              <a:t>These models if they prove to be successful will be used in emails categorization, surveys results, and of customers clustering based on comments derived from sales force comment.</a:t>
+              <a:t>These models, if they proved to be successful will be used in emails categorization, surveys results, and of customers clustering based on comments derived from sales force comment.</a:t>
             </a:r>
           </a:p>
           <a:p>
